--- a/ppt/MAP-REDUCE.pptx
+++ b/ppt/MAP-REDUCE.pptx
@@ -7,6 +7,7 @@
   <p:sldIdLst>
     <p:sldId id="256" r:id="rId2"/>
     <p:sldId id="257" r:id="rId3"/>
+    <p:sldId id="258" r:id="rId4"/>
   </p:sldIdLst>
   <p:sldSz cx="12192000" cy="6858000"/>
   <p:notesSz cx="6858000" cy="9144000"/>
@@ -105,6 +106,11 @@
       </a:defRPr>
     </a:lvl9pPr>
   </p:defaultTextStyle>
+  <p:extLst>
+    <p:ext uri="{EFAFB233-063F-42B5-8137-9DF3F51BA10A}">
+      <p15:sldGuideLst xmlns:p15="http://schemas.microsoft.com/office/powerpoint/2012/main"/>
+    </p:ext>
+  </p:extLst>
 </p:presentation>
 </file>
 
@@ -203,7 +209,7 @@
           <a:effectLst/>
           <a:extLst>
             <a:ext uri="{91240B29-F687-4f45-9708-019B960494DF}">
-              <a14:hiddenLine xmlns:a14="http://schemas.microsoft.com/office/drawing/2010/main" xmlns="" w="9525">
+              <a14:hiddenLine xmlns="" xmlns:a14="http://schemas.microsoft.com/office/drawing/2010/main" w="9525">
                 <a:solidFill>
                   <a:srgbClr val="000000"/>
                 </a:solidFill>
@@ -396,7 +402,7 @@
             <a:fld id="{08B9EBBA-996F-894A-B54A-D6246ED52CEA}" type="datetimeFigureOut">
               <a:rPr lang="en-US" dirty="0"/>
               <a:pPr/>
-              <a:t>2/28/2017</a:t>
+              <a:t>6/1/2017</a:t>
             </a:fld>
             <a:endParaRPr lang="en-US" dirty="0"/>
           </a:p>
@@ -711,7 +717,7 @@
             <a:fld id="{18C79C5D-2A6F-F04D-97DA-BEF2467B64E4}" type="datetimeFigureOut">
               <a:rPr lang="en-US" dirty="0"/>
               <a:pPr/>
-              <a:t>2/28/2017</a:t>
+              <a:t>6/1/2017</a:t>
             </a:fld>
             <a:endParaRPr lang="en-US" dirty="0"/>
           </a:p>
@@ -1196,7 +1202,7 @@
             <a:fld id="{8DFA1846-DA80-1C48-A609-854EA85C59AD}" type="datetimeFigureOut">
               <a:rPr lang="en-US" dirty="0"/>
               <a:pPr/>
-              <a:t>2/28/2017</a:t>
+              <a:t>6/1/2017</a:t>
             </a:fld>
             <a:endParaRPr lang="en-US" dirty="0"/>
           </a:p>
@@ -1562,7 +1568,7 @@
             <a:fld id="{FBF54567-0DE4-3F47-BF90-CB84690072F9}" type="datetimeFigureOut">
               <a:rPr lang="en-US" dirty="0"/>
               <a:pPr/>
-              <a:t>2/28/2017</a:t>
+              <a:t>6/1/2017</a:t>
             </a:fld>
             <a:endParaRPr lang="en-US" dirty="0"/>
           </a:p>
@@ -1713,7 +1719,7 @@
           <a:ln/>
           <a:extLst>
             <a:ext uri="{91240B29-F687-4f45-9708-019B960494DF}">
-              <a14:hiddenLine xmlns:a14="http://schemas.microsoft.com/office/drawing/2010/main" xmlns="" w="9525">
+              <a14:hiddenLine xmlns="" xmlns:a14="http://schemas.microsoft.com/office/drawing/2010/main" w="9525">
                 <a:solidFill>
                   <a:srgbClr val="000000"/>
                 </a:solidFill>
@@ -1832,7 +1838,7 @@
             <a:fld id="{C6C52C72-DE31-F449-A4ED-4C594FD91407}" type="datetimeFigureOut">
               <a:rPr lang="en-US" dirty="0"/>
               <a:pPr/>
-              <a:t>2/28/2017</a:t>
+              <a:t>6/1/2017</a:t>
             </a:fld>
             <a:endParaRPr lang="en-US" dirty="0"/>
           </a:p>
@@ -1985,7 +1991,7 @@
           <a:ln/>
           <a:extLst>
             <a:ext uri="{91240B29-F687-4f45-9708-019B960494DF}">
-              <a14:hiddenLine xmlns:a14="http://schemas.microsoft.com/office/drawing/2010/main" xmlns="" w="9525">
+              <a14:hiddenLine xmlns="" xmlns:a14="http://schemas.microsoft.com/office/drawing/2010/main" w="9525">
                 <a:solidFill>
                   <a:srgbClr val="000000"/>
                 </a:solidFill>
@@ -2114,7 +2120,7 @@
             <a:fld id="{ED62726E-379B-B349-9EED-81ED093FA806}" type="datetimeFigureOut">
               <a:rPr lang="en-US" dirty="0"/>
               <a:pPr/>
-              <a:t>2/28/2017</a:t>
+              <a:t>6/1/2017</a:t>
             </a:fld>
             <a:endParaRPr lang="en-US" dirty="0"/>
           </a:p>
@@ -2265,7 +2271,7 @@
           <a:ln/>
           <a:extLst>
             <a:ext uri="{91240B29-F687-4f45-9708-019B960494DF}">
-              <a14:hiddenLine xmlns:a14="http://schemas.microsoft.com/office/drawing/2010/main" xmlns="" w="9525">
+              <a14:hiddenLine xmlns="" xmlns:a14="http://schemas.microsoft.com/office/drawing/2010/main" w="9525">
                 <a:solidFill>
                   <a:srgbClr val="000000"/>
                 </a:solidFill>
@@ -2394,7 +2400,7 @@
             <a:fld id="{9B3A1323-8D79-1946-B0D7-40001CF92E9D}" type="datetimeFigureOut">
               <a:rPr lang="en-US" dirty="0"/>
               <a:pPr/>
-              <a:t>2/28/2017</a:t>
+              <a:t>6/1/2017</a:t>
             </a:fld>
             <a:endParaRPr lang="en-US" dirty="0"/>
           </a:p>
@@ -2734,7 +2740,7 @@
             <a:fld id="{8DFA1846-DA80-1C48-A609-854EA85C59AD}" type="datetimeFigureOut">
               <a:rPr lang="en-US" dirty="0"/>
               <a:pPr/>
-              <a:t>2/28/2017</a:t>
+              <a:t>6/1/2017</a:t>
             </a:fld>
             <a:endParaRPr lang="en-US" dirty="0"/>
           </a:p>
@@ -2885,7 +2891,7 @@
           <a:ln/>
           <a:extLst>
             <a:ext uri="{91240B29-F687-4f45-9708-019B960494DF}">
-              <a14:hiddenLine xmlns:a14="http://schemas.microsoft.com/office/drawing/2010/main" xmlns="" w="9525">
+              <a14:hiddenLine xmlns="" xmlns:a14="http://schemas.microsoft.com/office/drawing/2010/main" w="9525">
                 <a:solidFill>
                   <a:srgbClr val="000000"/>
                 </a:solidFill>
@@ -3070,7 +3076,7 @@
             <a:fld id="{57302355-E14B-8545-A8F8-0FE83CC9D524}" type="datetimeFigureOut">
               <a:rPr lang="en-US" dirty="0"/>
               <a:pPr/>
-              <a:t>2/28/2017</a:t>
+              <a:t>6/1/2017</a:t>
             </a:fld>
             <a:endParaRPr lang="en-US" dirty="0"/>
           </a:p>
@@ -3221,7 +3227,7 @@
           <a:ln/>
           <a:extLst>
             <a:ext uri="{91240B29-F687-4f45-9708-019B960494DF}">
-              <a14:hiddenLine xmlns:a14="http://schemas.microsoft.com/office/drawing/2010/main" xmlns="" w="9525">
+              <a14:hiddenLine xmlns="" xmlns:a14="http://schemas.microsoft.com/office/drawing/2010/main" w="9525">
                 <a:solidFill>
                   <a:srgbClr val="000000"/>
                 </a:solidFill>
@@ -3544,7 +3550,7 @@
             <a:fld id="{02640F58-564D-2B4F-AE67-E407BA4FCF45}" type="datetimeFigureOut">
               <a:rPr lang="en-US" dirty="0"/>
               <a:pPr/>
-              <a:t>2/28/2017</a:t>
+              <a:t>6/1/2017</a:t>
             </a:fld>
             <a:endParaRPr lang="en-US" dirty="0"/>
           </a:p>
@@ -3695,7 +3701,7 @@
           <a:ln/>
           <a:extLst>
             <a:ext uri="{91240B29-F687-4f45-9708-019B960494DF}">
-              <a14:hiddenLine xmlns:a14="http://schemas.microsoft.com/office/drawing/2010/main" xmlns="" w="9525">
+              <a14:hiddenLine xmlns="" xmlns:a14="http://schemas.microsoft.com/office/drawing/2010/main" w="9525">
                 <a:solidFill>
                   <a:srgbClr val="000000"/>
                 </a:solidFill>
@@ -3762,7 +3768,7 @@
             <a:fld id="{F13A34C8-038E-2045-AF43-DF7DBB8E0E9E}" type="datetimeFigureOut">
               <a:rPr lang="en-US" dirty="0"/>
               <a:pPr/>
-              <a:t>2/28/2017</a:t>
+              <a:t>6/1/2017</a:t>
             </a:fld>
             <a:endParaRPr lang="en-US" dirty="0"/>
           </a:p>
@@ -3854,7 +3860,7 @@
             <a:fld id="{8818C68F-D26B-8F47-958C-23B49CF8A634}" type="datetimeFigureOut">
               <a:rPr lang="en-US" dirty="0"/>
               <a:pPr/>
-              <a:t>2/28/2017</a:t>
+              <a:t>6/1/2017</a:t>
             </a:fld>
             <a:endParaRPr lang="en-US" dirty="0"/>
           </a:p>
@@ -4118,7 +4124,7 @@
           <a:ln/>
           <a:extLst>
             <a:ext uri="{91240B29-F687-4f45-9708-019B960494DF}">
-              <a14:hiddenLine xmlns:a14="http://schemas.microsoft.com/office/drawing/2010/main" xmlns="" w="9525">
+              <a14:hiddenLine xmlns="" xmlns:a14="http://schemas.microsoft.com/office/drawing/2010/main" w="9525">
                 <a:solidFill>
                   <a:srgbClr val="000000"/>
                 </a:solidFill>
@@ -4318,7 +4324,7 @@
             <a:fld id="{D0DF5E60-9974-AC48-9591-99C2BB44B7CF}" type="datetimeFigureOut">
               <a:rPr lang="en-US" dirty="0"/>
               <a:pPr/>
-              <a:t>2/28/2017</a:t>
+              <a:t>6/1/2017</a:t>
             </a:fld>
             <a:endParaRPr lang="en-US" dirty="0"/>
           </a:p>
@@ -4628,7 +4634,7 @@
             <a:fld id="{18C79C5D-2A6F-F04D-97DA-BEF2467B64E4}" type="datetimeFigureOut">
               <a:rPr lang="en-US" dirty="0"/>
               <a:pPr/>
-              <a:t>2/28/2017</a:t>
+              <a:t>6/1/2017</a:t>
             </a:fld>
             <a:endParaRPr lang="en-US" dirty="0"/>
           </a:p>
@@ -4895,7 +4901,7 @@
             <a:fld id="{09B482E8-6E0E-1B4F-B1FD-C69DB9E858D9}" type="datetimeFigureOut">
               <a:rPr lang="en-US" dirty="0"/>
               <a:pPr/>
-              <a:t>2/28/2017</a:t>
+              <a:t>6/1/2017</a:t>
             </a:fld>
             <a:endParaRPr lang="en-US" dirty="0"/>
           </a:p>
@@ -5476,6 +5482,82 @@
 </p:sld>
 </file>
 
+<file path=ppt/slides/slide3.xml><?xml version="1.0" encoding="utf-8"?>
+<p:sld xmlns:a="http://schemas.openxmlformats.org/drawingml/2006/main" xmlns:r="http://schemas.openxmlformats.org/officeDocument/2006/relationships" xmlns:p="http://schemas.openxmlformats.org/presentationml/2006/main">
+  <p:cSld>
+    <p:spTree>
+      <p:nvGrpSpPr>
+        <p:cNvPr id="1" name=""/>
+        <p:cNvGrpSpPr/>
+        <p:nvPr/>
+      </p:nvGrpSpPr>
+      <p:grpSpPr>
+        <a:xfrm>
+          <a:off x="0" y="0"/>
+          <a:ext cx="0" cy="0"/>
+          <a:chOff x="0" y="0"/>
+          <a:chExt cx="0" cy="0"/>
+        </a:xfrm>
+      </p:grpSpPr>
+      <p:sp>
+        <p:nvSpPr>
+          <p:cNvPr id="2" name="Title 1"/>
+          <p:cNvSpPr>
+            <a:spLocks noGrp="1"/>
+          </p:cNvSpPr>
+          <p:nvPr>
+            <p:ph type="title"/>
+          </p:nvPr>
+        </p:nvSpPr>
+        <p:spPr/>
+        <p:txBody>
+          <a:bodyPr/>
+          <a:lstStyle/>
+          <a:p>
+            <a:r>
+              <a:rPr lang="en-US" dirty="0" smtClean="0"/>
+              <a:t>Job Tracker and Task Tracker</a:t>
+            </a:r>
+            <a:endParaRPr lang="en-US" dirty="0"/>
+          </a:p>
+        </p:txBody>
+      </p:sp>
+      <p:sp>
+        <p:nvSpPr>
+          <p:cNvPr id="3" name="Content Placeholder 2"/>
+          <p:cNvSpPr>
+            <a:spLocks noGrp="1"/>
+          </p:cNvSpPr>
+          <p:nvPr>
+            <p:ph idx="1"/>
+          </p:nvPr>
+        </p:nvSpPr>
+        <p:spPr/>
+        <p:txBody>
+          <a:bodyPr/>
+          <a:lstStyle/>
+          <a:p>
+            <a:r>
+              <a:rPr lang="en-US" dirty="0"/>
+              <a:t>JT is the master and is in charge of allocating tasks to task trackers and scheduling these tasks globally. A TT is in charge of running the Map and Reduce tasks themselves.</a:t>
+            </a:r>
+            <a:endParaRPr lang="en-US" dirty="0"/>
+          </a:p>
+        </p:txBody>
+      </p:sp>
+    </p:spTree>
+    <p:extLst>
+      <p:ext uri="{BB962C8B-B14F-4D97-AF65-F5344CB8AC3E}">
+        <p14:creationId xmlns:p14="http://schemas.microsoft.com/office/powerpoint/2010/main" val="3047003764"/>
+      </p:ext>
+    </p:extLst>
+  </p:cSld>
+  <p:clrMapOvr>
+    <a:masterClrMapping/>
+  </p:clrMapOvr>
+</p:sld>
+</file>
+
 <file path=ppt/theme/theme1.xml><?xml version="1.0" encoding="utf-8"?>
 <a:theme xmlns:a="http://schemas.openxmlformats.org/drawingml/2006/main" name="Quotable">
   <a:themeElements>
